--- a/暑假第5次會議.pptx
+++ b/暑假第5次會議.pptx
@@ -394,7 +394,7 @@
           <a:p>
             <a:fld id="{6BCD8E05-CB2E-4D8C-8649-F196AC579A59}" type="datetimeFigureOut">
               <a:rPr lang="zh-TW" altLang="en-US" smtClean="0"/>
-              <a:t>2019/8/7</a:t>
+              <a:t>2019/8/8</a:t>
             </a:fld>
             <a:endParaRPr lang="zh-TW" altLang="en-US"/>
           </a:p>
@@ -605,7 +605,7 @@
           <a:p>
             <a:fld id="{6BCD8E05-CB2E-4D8C-8649-F196AC579A59}" type="datetimeFigureOut">
               <a:rPr lang="zh-TW" altLang="en-US" smtClean="0"/>
-              <a:t>2019/8/7</a:t>
+              <a:t>2019/8/8</a:t>
             </a:fld>
             <a:endParaRPr lang="zh-TW" altLang="en-US"/>
           </a:p>
@@ -820,7 +820,7 @@
           <a:p>
             <a:fld id="{6BCD8E05-CB2E-4D8C-8649-F196AC579A59}" type="datetimeFigureOut">
               <a:rPr lang="zh-TW" altLang="en-US" smtClean="0"/>
-              <a:t>2019/8/7</a:t>
+              <a:t>2019/8/8</a:t>
             </a:fld>
             <a:endParaRPr lang="zh-TW" altLang="en-US"/>
           </a:p>
@@ -1021,7 +1021,7 @@
           <a:p>
             <a:fld id="{6BCD8E05-CB2E-4D8C-8649-F196AC579A59}" type="datetimeFigureOut">
               <a:rPr lang="zh-TW" altLang="en-US" smtClean="0"/>
-              <a:t>2019/8/7</a:t>
+              <a:t>2019/8/8</a:t>
             </a:fld>
             <a:endParaRPr lang="zh-TW" altLang="en-US"/>
           </a:p>
@@ -1300,7 +1300,7 @@
           <a:p>
             <a:fld id="{6BCD8E05-CB2E-4D8C-8649-F196AC579A59}" type="datetimeFigureOut">
               <a:rPr lang="zh-TW" altLang="en-US" smtClean="0"/>
-              <a:t>2019/8/7</a:t>
+              <a:t>2019/8/8</a:t>
             </a:fld>
             <a:endParaRPr lang="zh-TW" altLang="en-US"/>
           </a:p>
@@ -1568,7 +1568,7 @@
           <a:p>
             <a:fld id="{6BCD8E05-CB2E-4D8C-8649-F196AC579A59}" type="datetimeFigureOut">
               <a:rPr lang="zh-TW" altLang="en-US" smtClean="0"/>
-              <a:t>2019/8/7</a:t>
+              <a:t>2019/8/8</a:t>
             </a:fld>
             <a:endParaRPr lang="zh-TW" altLang="en-US"/>
           </a:p>
@@ -1984,7 +1984,7 @@
           <a:p>
             <a:fld id="{6BCD8E05-CB2E-4D8C-8649-F196AC579A59}" type="datetimeFigureOut">
               <a:rPr lang="zh-TW" altLang="en-US" smtClean="0"/>
-              <a:t>2019/8/7</a:t>
+              <a:t>2019/8/8</a:t>
             </a:fld>
             <a:endParaRPr lang="zh-TW" altLang="en-US"/>
           </a:p>
@@ -2133,7 +2133,7 @@
           <a:p>
             <a:fld id="{6BCD8E05-CB2E-4D8C-8649-F196AC579A59}" type="datetimeFigureOut">
               <a:rPr lang="zh-TW" altLang="en-US" smtClean="0"/>
-              <a:t>2019/8/7</a:t>
+              <a:t>2019/8/8</a:t>
             </a:fld>
             <a:endParaRPr lang="zh-TW" altLang="en-US"/>
           </a:p>
@@ -2259,7 +2259,7 @@
           <a:p>
             <a:fld id="{6BCD8E05-CB2E-4D8C-8649-F196AC579A59}" type="datetimeFigureOut">
               <a:rPr lang="zh-TW" altLang="en-US" smtClean="0"/>
-              <a:t>2019/8/7</a:t>
+              <a:t>2019/8/8</a:t>
             </a:fld>
             <a:endParaRPr lang="zh-TW" altLang="en-US"/>
           </a:p>
@@ -2510,7 +2510,7 @@
           <a:p>
             <a:fld id="{6BCD8E05-CB2E-4D8C-8649-F196AC579A59}" type="datetimeFigureOut">
               <a:rPr lang="zh-TW" altLang="en-US" smtClean="0"/>
-              <a:t>2019/8/7</a:t>
+              <a:t>2019/8/8</a:t>
             </a:fld>
             <a:endParaRPr lang="zh-TW" altLang="en-US"/>
           </a:p>
@@ -2955,7 +2955,7 @@
           <a:p>
             <a:fld id="{6BCD8E05-CB2E-4D8C-8649-F196AC579A59}" type="datetimeFigureOut">
               <a:rPr lang="zh-TW" altLang="en-US" smtClean="0"/>
-              <a:t>2019/8/7</a:t>
+              <a:t>2019/8/8</a:t>
             </a:fld>
             <a:endParaRPr lang="zh-TW" altLang="en-US"/>
           </a:p>
@@ -3282,7 +3282,7 @@
           <a:p>
             <a:fld id="{6BCD8E05-CB2E-4D8C-8649-F196AC579A59}" type="datetimeFigureOut">
               <a:rPr lang="zh-TW" altLang="en-US" smtClean="0"/>
-              <a:t>2019/8/7</a:t>
+              <a:t>2019/8/8</a:t>
             </a:fld>
             <a:endParaRPr lang="zh-TW" altLang="en-US"/>
           </a:p>
@@ -3972,29 +3972,6 @@
           <a:chExt cx="0" cy="0"/>
         </a:xfrm>
       </p:grpSpPr>
-      <p:pic>
-        <p:nvPicPr>
-          <p:cNvPr id="13" name="圖片 12"/>
-          <p:cNvPicPr>
-            <a:picLocks noChangeAspect="1"/>
-          </p:cNvPicPr>
-          <p:nvPr/>
-        </p:nvPicPr>
-        <p:blipFill rotWithShape="1">
-          <a:blip r:embed="rId2"/>
-          <a:srcRect l="11598" t="12816" r="13738" b="26614"/>
-          <a:stretch/>
-        </p:blipFill>
-        <p:spPr>
-          <a:xfrm>
-            <a:off x="5966232" y="1560480"/>
-            <a:ext cx="6102036" cy="1961578"/>
-          </a:xfrm>
-          <a:prstGeom prst="rect">
-            <a:avLst/>
-          </a:prstGeom>
-        </p:spPr>
-      </p:pic>
       <p:sp>
         <p:nvSpPr>
           <p:cNvPr id="7" name="箭號: 向下 6">
@@ -4148,8 +4125,8 @@
         </p:nvSpPr>
         <p:spPr>
           <a:xfrm>
-            <a:off x="621319" y="1463090"/>
-            <a:ext cx="8630446" cy="2168956"/>
+            <a:off x="621318" y="1463090"/>
+            <a:ext cx="9485207" cy="3750594"/>
           </a:xfrm>
         </p:spPr>
         <p:txBody>
@@ -4166,21 +4143,69 @@
               <a:rPr lang="zh-TW" altLang="en-US" sz="3200" dirty="0" smtClean="0">
                 <a:ea typeface="新細明體"/>
               </a:rPr>
-              <a:t>防止</a:t>
+              <a:t>讓網頁判斷使用者為顧客還是管理員，若為管理員可以看見</a:t>
             </a:r>
             <a:r>
               <a:rPr lang="en-US" altLang="zh-TW" sz="3200" dirty="0" smtClean="0">
                 <a:ea typeface="新細明體"/>
               </a:rPr>
-              <a:t>UID</a:t>
+              <a:t>6</a:t>
+            </a:r>
+            <a:r>
+              <a:rPr lang="zh-TW" altLang="en-US" sz="3200" dirty="0">
+                <a:ea typeface="新細明體"/>
+              </a:rPr>
+              <a:t>樣</a:t>
             </a:r>
             <a:r>
               <a:rPr lang="zh-TW" altLang="en-US" sz="3200" dirty="0" smtClean="0">
                 <a:ea typeface="新細明體"/>
               </a:rPr>
-              <a:t>重複輸入功能</a:t>
+              <a:t>功能</a:t>
+            </a:r>
+            <a:r>
+              <a:rPr lang="zh-TW" altLang="en-US" sz="3200" dirty="0">
+                <a:ea typeface="新細明體"/>
+              </a:rPr>
+              <a:t>，</a:t>
+            </a:r>
+            <a:r>
+              <a:rPr lang="zh-TW" altLang="en-US" sz="3200" dirty="0" smtClean="0">
+                <a:ea typeface="新細明體"/>
+              </a:rPr>
+              <a:t>顧客</a:t>
+            </a:r>
+            <a:r>
+              <a:rPr lang="zh-TW" altLang="en-US" sz="3200" dirty="0">
+                <a:ea typeface="新細明體"/>
+              </a:rPr>
+              <a:t>只能看見</a:t>
+            </a:r>
+            <a:r>
+              <a:rPr lang="en-US" altLang="zh-TW" sz="3200" dirty="0">
+                <a:ea typeface="新細明體"/>
+              </a:rPr>
+              <a:t>3</a:t>
+            </a:r>
+            <a:r>
+              <a:rPr lang="zh-TW" altLang="en-US" sz="3200" dirty="0">
+                <a:ea typeface="新細明體"/>
+              </a:rPr>
+              <a:t>樣</a:t>
+            </a:r>
+            <a:r>
+              <a:rPr lang="zh-TW" altLang="en-US" sz="3200" dirty="0" smtClean="0">
+                <a:ea typeface="新細明體"/>
+              </a:rPr>
+              <a:t>功能</a:t>
             </a:r>
             <a:endParaRPr lang="en-US" altLang="zh-TW" sz="3200" dirty="0" smtClean="0">
+              <a:ea typeface="新細明體"/>
+            </a:endParaRPr>
+          </a:p>
+          <a:p>
+            <a:pPr lvl="1"/>
+            <a:endParaRPr lang="en-US" altLang="zh-TW" sz="3200" dirty="0">
               <a:ea typeface="新細明體"/>
             </a:endParaRPr>
           </a:p>
@@ -4189,12 +4214,6 @@
               <a:buFont typeface="+mj-lt"/>
               <a:buAutoNum type="arabicPeriod"/>
             </a:pPr>
-            <a:r>
-              <a:rPr lang="zh-TW" altLang="en-US" sz="3200" dirty="0" smtClean="0">
-                <a:ea typeface="新細明體"/>
-              </a:rPr>
-              <a:t>創建管理員職稱</a:t>
-            </a:r>
             <a:endParaRPr lang="en-US" altLang="zh-TW" sz="3200" dirty="0" smtClean="0">
               <a:ea typeface="新細明體"/>
             </a:endParaRPr>
@@ -4204,81 +4223,45 @@
               <a:buFont typeface="+mj-lt"/>
               <a:buAutoNum type="arabicPeriod"/>
             </a:pPr>
-            <a:r>
-              <a:rPr lang="zh-TW" altLang="en-US" sz="3200" dirty="0" smtClean="0">
+            <a:endParaRPr lang="en-US" altLang="zh-TW" sz="3200" dirty="0" smtClean="0">
+              <a:ea typeface="新細明體"/>
+            </a:endParaRPr>
+          </a:p>
+          <a:p>
+            <a:pPr marL="514350" indent="-514350">
+              <a:buFont typeface="+mj-lt"/>
+              <a:buAutoNum type="arabicPeriod"/>
+            </a:pPr>
+            <a:endParaRPr lang="en-US" altLang="zh-TW" sz="3200" dirty="0" smtClean="0">
+              <a:ea typeface="新細明體"/>
+            </a:endParaRPr>
+          </a:p>
+          <a:p>
+            <a:pPr marL="514350" indent="-514350">
+              <a:buFont typeface="+mj-lt"/>
+              <a:buAutoNum type="arabicPeriod"/>
+            </a:pPr>
+            <a:endParaRPr lang="en-US" altLang="zh-TW" sz="3200" dirty="0" smtClean="0">
+              <a:ea typeface="新細明體"/>
+            </a:endParaRPr>
+          </a:p>
+          <a:p>
+            <a:pPr marL="514350" indent="-514350">
+              <a:buFont typeface="+mj-lt"/>
+              <a:buAutoNum type="arabicPeriod"/>
+            </a:pPr>
+            <a:r>
+              <a:rPr lang="en-US" altLang="zh-TW" sz="3200" dirty="0" smtClean="0">
                 <a:ea typeface="新細明體"/>
               </a:rPr>
-              <a:t>指</a:t>
-            </a:r>
-            <a:r>
-              <a:rPr lang="zh-TW" altLang="en-US" sz="3200" dirty="0">
-                <a:ea typeface="新細明體"/>
-              </a:rPr>
-              <a:t>定</a:t>
-            </a:r>
-            <a:r>
-              <a:rPr lang="zh-TW" altLang="en-US" sz="3200" dirty="0" smtClean="0">
-                <a:ea typeface="新細明體"/>
-              </a:rPr>
-              <a:t>帳號為何種職位</a:t>
-            </a:r>
-            <a:endParaRPr lang="en-US" altLang="zh-TW" sz="3200" dirty="0">
+              <a:t>45-6</a:t>
+            </a:r>
+            <a:endParaRPr lang="en-US" altLang="zh-TW" sz="3200" dirty="0" smtClean="0">
               <a:ea typeface="新細明體"/>
             </a:endParaRPr>
           </a:p>
-          <a:p>
-            <a:endParaRPr lang="zh-TW" altLang="en-US" sz="3200" dirty="0">
-              <a:ea typeface="新細明體"/>
-            </a:endParaRPr>
-          </a:p>
-        </p:txBody>
-      </p:sp>
-      <p:pic>
-        <p:nvPicPr>
-          <p:cNvPr id="8" name="圖片 7"/>
-          <p:cNvPicPr>
-            <a:picLocks noChangeAspect="1"/>
-          </p:cNvPicPr>
-          <p:nvPr/>
-        </p:nvPicPr>
-        <p:blipFill rotWithShape="1">
-          <a:blip r:embed="rId3"/>
-          <a:srcRect l="3620" t="28604" r="47602" b="23092"/>
-          <a:stretch/>
-        </p:blipFill>
-        <p:spPr>
-          <a:xfrm>
-            <a:off x="5966232" y="3758642"/>
-            <a:ext cx="5073407" cy="2308634"/>
-          </a:xfrm>
-          <a:prstGeom prst="rect">
-            <a:avLst/>
-          </a:prstGeom>
-        </p:spPr>
-      </p:pic>
-      <p:pic>
-        <p:nvPicPr>
-          <p:cNvPr id="14" name="圖片 13"/>
-          <p:cNvPicPr>
-            <a:picLocks noChangeAspect="1"/>
-          </p:cNvPicPr>
-          <p:nvPr/>
-        </p:nvPicPr>
-        <p:blipFill rotWithShape="1">
-          <a:blip r:embed="rId4"/>
-          <a:srcRect l="5685" t="30637" r="49328" b="17794"/>
-          <a:stretch/>
-        </p:blipFill>
-        <p:spPr>
-          <a:xfrm>
-            <a:off x="1176950" y="3758643"/>
-            <a:ext cx="4653481" cy="2308633"/>
-          </a:xfrm>
-          <a:prstGeom prst="rect">
-            <a:avLst/>
-          </a:prstGeom>
-        </p:spPr>
-      </p:pic>
+        </p:txBody>
+      </p:sp>
       <p:sp>
         <p:nvSpPr>
           <p:cNvPr id="18" name="箭號: 向下 16">
@@ -4992,6 +4975,21 @@
 </file>
 
 <file path=customXml/item1.xml><?xml version="1.0" encoding="utf-8"?>
+<?mso-contentType ?>
+<FormTemplates xmlns="http://schemas.microsoft.com/sharepoint/v3/contenttype/forms">
+  <Display>DocumentLibraryForm</Display>
+  <Edit>DocumentLibraryForm</Edit>
+  <New>DocumentLibraryForm</New>
+</FormTemplates>
+</file>
+
+<file path=customXml/item2.xml><?xml version="1.0" encoding="utf-8"?>
+<p:properties xmlns:p="http://schemas.microsoft.com/office/2006/metadata/properties" xmlns:xsi="http://www.w3.org/2001/XMLSchema-instance" xmlns:pc="http://schemas.microsoft.com/office/infopath/2007/PartnerControls">
+  <documentManagement/>
+</p:properties>
+</file>
+
+<file path=customXml/item3.xml><?xml version="1.0" encoding="utf-8"?>
 <ct:contentTypeSchema xmlns:ct="http://schemas.microsoft.com/office/2006/metadata/contentType" xmlns:ma="http://schemas.microsoft.com/office/2006/metadata/properties/metaAttributes" ct:_="" ma:_="" ma:contentTypeName="文件" ma:contentTypeID="0x0101008459A0A17249BA489AB8E239BBBAF080" ma:contentTypeVersion="6" ma:contentTypeDescription="建立新的文件。" ma:contentTypeScope="" ma:versionID="8ae6056eadc4f818d3e1a3552d15997d">
   <xsd:schema xmlns:xsd="http://www.w3.org/2001/XMLSchema" xmlns:xs="http://www.w3.org/2001/XMLSchema" xmlns:p="http://schemas.microsoft.com/office/2006/metadata/properties" xmlns:ns2="a300ae46-c96c-4fd0-90ec-9021b7e316a0" targetNamespace="http://schemas.microsoft.com/office/2006/metadata/properties" ma:root="true" ma:fieldsID="16d7e85f124a5a34cb7ec3154cac84f8" ns2:_="">
     <xsd:import namespace="a300ae46-c96c-4fd0-90ec-9021b7e316a0"/>
@@ -5149,22 +5147,24 @@
 </ct:contentTypeSchema>
 </file>
 
-<file path=customXml/item2.xml><?xml version="1.0" encoding="utf-8"?>
-<p:properties xmlns:p="http://schemas.microsoft.com/office/2006/metadata/properties" xmlns:xsi="http://www.w3.org/2001/XMLSchema-instance" xmlns:pc="http://schemas.microsoft.com/office/infopath/2007/PartnerControls">
-  <documentManagement/>
-</p:properties>
+<file path=customXml/itemProps1.xml><?xml version="1.0" encoding="utf-8"?>
+<ds:datastoreItem xmlns:ds="http://schemas.openxmlformats.org/officeDocument/2006/customXml" ds:itemID="{53B40869-ADBF-430B-A34B-4817E14A1330}">
+  <ds:schemaRefs>
+    <ds:schemaRef ds:uri="http://schemas.microsoft.com/sharepoint/v3/contenttype/forms"/>
+  </ds:schemaRefs>
+</ds:datastoreItem>
 </file>
 
-<file path=customXml/item3.xml><?xml version="1.0" encoding="utf-8"?>
-<?mso-contentType ?>
-<FormTemplates xmlns="http://schemas.microsoft.com/sharepoint/v3/contenttype/forms">
-  <Display>DocumentLibraryForm</Display>
-  <Edit>DocumentLibraryForm</Edit>
-  <New>DocumentLibraryForm</New>
-</FormTemplates>
+<file path=customXml/itemProps2.xml><?xml version="1.0" encoding="utf-8"?>
+<ds:datastoreItem xmlns:ds="http://schemas.openxmlformats.org/officeDocument/2006/customXml" ds:itemID="{A648AF75-3CD4-45AE-AE83-11FE574EA16B}">
+  <ds:schemaRefs>
+    <ds:schemaRef ds:uri="http://schemas.microsoft.com/office/2006/metadata/properties"/>
+    <ds:schemaRef ds:uri="http://schemas.microsoft.com/office/infopath/2007/PartnerControls"/>
+  </ds:schemaRefs>
+</ds:datastoreItem>
 </file>
 
-<file path=customXml/itemProps1.xml><?xml version="1.0" encoding="utf-8"?>
+<file path=customXml/itemProps3.xml><?xml version="1.0" encoding="utf-8"?>
 <ds:datastoreItem xmlns:ds="http://schemas.openxmlformats.org/officeDocument/2006/customXml" ds:itemID="{8F04452E-A7A9-4DEC-8B87-AF13FADD85CE}">
   <ds:schemaRefs>
     <ds:schemaRef ds:uri="a300ae46-c96c-4fd0-90ec-9021b7e316a0"/>
@@ -5180,21 +5180,4 @@
     <ds:schemaRef ds:uri="http://www.w3.org/2001/XMLSchema"/>
   </ds:schemaRefs>
 </ds:datastoreItem>
-</file>
-
-<file path=customXml/itemProps2.xml><?xml version="1.0" encoding="utf-8"?>
-<ds:datastoreItem xmlns:ds="http://schemas.openxmlformats.org/officeDocument/2006/customXml" ds:itemID="{A648AF75-3CD4-45AE-AE83-11FE574EA16B}">
-  <ds:schemaRefs>
-    <ds:schemaRef ds:uri="http://schemas.microsoft.com/office/2006/metadata/properties"/>
-    <ds:schemaRef ds:uri="http://schemas.microsoft.com/office/infopath/2007/PartnerControls"/>
-  </ds:schemaRefs>
-</ds:datastoreItem>
-</file>
-
-<file path=customXml/itemProps3.xml><?xml version="1.0" encoding="utf-8"?>
-<ds:datastoreItem xmlns:ds="http://schemas.openxmlformats.org/officeDocument/2006/customXml" ds:itemID="{53B40869-ADBF-430B-A34B-4817E14A1330}">
-  <ds:schemaRefs>
-    <ds:schemaRef ds:uri="http://schemas.microsoft.com/sharepoint/v3/contenttype/forms"/>
-  </ds:schemaRefs>
-</ds:datastoreItem>
 </file>